--- a/programowanie obiektowe UML.pptx
+++ b/programowanie obiektowe UML.pptx
@@ -3097,6 +3097,44 @@
       </p:grpSpPr>
       <p:sp>
         <p:nvSpPr>
+          <p:cNvPr id="42" name="Prostokąt 41"/>
+          <p:cNvSpPr/>
+          <p:nvPr/>
+        </p:nvSpPr>
+        <p:spPr>
+          <a:xfrm>
+            <a:off x="1265155" y="760587"/>
+            <a:ext cx="5961408" cy="5077698"/>
+          </a:xfrm>
+          <a:prstGeom prst="rect">
+            <a:avLst/>
+          </a:prstGeom>
+        </p:spPr>
+        <p:style>
+          <a:lnRef idx="2">
+            <a:schemeClr val="dk1"/>
+          </a:lnRef>
+          <a:fillRef idx="1">
+            <a:schemeClr val="lt1"/>
+          </a:fillRef>
+          <a:effectRef idx="0">
+            <a:schemeClr val="dk1"/>
+          </a:effectRef>
+          <a:fontRef idx="minor">
+            <a:schemeClr val="dk1"/>
+          </a:fontRef>
+        </p:style>
+        <p:txBody>
+          <a:bodyPr rtlCol="0" anchor="ctr"/>
+          <a:lstStyle/>
+          <a:p>
+            <a:pPr algn="ctr"/>
+            <a:endParaRPr lang="pl-PL"/>
+          </a:p>
+        </p:txBody>
+      </p:sp>
+      <p:sp>
+        <p:nvSpPr>
           <p:cNvPr id="4" name="Elipsa 3"/>
           <p:cNvSpPr/>
           <p:nvPr/>
@@ -3131,7 +3169,7 @@
             <a:pPr algn="ctr"/>
             <a:r>
               <a:rPr lang="pl-PL" sz="1400" dirty="0" smtClean="0"/>
-              <a:t>Wprowadzenie surowego tekstu</a:t>
+              <a:t>Wprowadź surowy tekst</a:t>
             </a:r>
             <a:endParaRPr lang="pl-PL" sz="1400" dirty="0"/>
           </a:p>
@@ -3173,7 +3211,7 @@
             <a:pPr algn="ctr"/>
             <a:r>
               <a:rPr lang="pl-PL" sz="1400" dirty="0" smtClean="0"/>
-              <a:t>Preferencje dotyczące tekstu kultury</a:t>
+              <a:t>Wprowadź Preferencje dotyczące tekstu kultury</a:t>
             </a:r>
             <a:endParaRPr lang="pl-PL" sz="1400" dirty="0"/>
           </a:p>
@@ -3215,7 +3253,7 @@
             <a:pPr algn="ctr"/>
             <a:r>
               <a:rPr lang="pl-PL" sz="1400" dirty="0" smtClean="0"/>
-              <a:t>Przesłanie danych od klienta do serwera</a:t>
+              <a:t>Generuj wiersz</a:t>
             </a:r>
             <a:endParaRPr lang="pl-PL" sz="1400" dirty="0"/>
           </a:p>
@@ -3257,47 +3295,9 @@
             <a:pPr algn="ctr"/>
             <a:r>
               <a:rPr lang="pl-PL" sz="1400" dirty="0" smtClean="0"/>
-              <a:t>Przekazanie gotowego wiersza użytkownikowi</a:t>
+              <a:t>Przekaż wiersz użytkownikowi</a:t>
             </a:r>
             <a:endParaRPr lang="pl-PL" sz="1400" dirty="0"/>
-          </a:p>
-        </p:txBody>
-      </p:sp>
-      <p:sp>
-        <p:nvSpPr>
-          <p:cNvPr id="5" name="Uśmiechnięta buźka 4"/>
-          <p:cNvSpPr/>
-          <p:nvPr/>
-        </p:nvSpPr>
-        <p:spPr>
-          <a:xfrm>
-            <a:off x="183468" y="3083412"/>
-            <a:ext cx="1152128" cy="1080120"/>
-          </a:xfrm>
-          <a:prstGeom prst="smileyFace">
-            <a:avLst/>
-          </a:prstGeom>
-        </p:spPr>
-        <p:style>
-          <a:lnRef idx="1">
-            <a:schemeClr val="accent5"/>
-          </a:lnRef>
-          <a:fillRef idx="2">
-            <a:schemeClr val="accent5"/>
-          </a:fillRef>
-          <a:effectRef idx="1">
-            <a:schemeClr val="accent5"/>
-          </a:effectRef>
-          <a:fontRef idx="minor">
-            <a:schemeClr val="dk1"/>
-          </a:fontRef>
-        </p:style>
-        <p:txBody>
-          <a:bodyPr rtlCol="0" anchor="ctr"/>
-          <a:lstStyle/>
-          <a:p>
-            <a:pPr algn="ctr"/>
-            <a:endParaRPr lang="pl-PL" dirty="0"/>
           </a:p>
         </p:txBody>
       </p:sp>
@@ -3309,7 +3309,7 @@
         </p:nvSpPr>
         <p:spPr>
           <a:xfrm>
-            <a:off x="4333073" y="2881654"/>
+            <a:off x="4478105" y="3675163"/>
             <a:ext cx="2156691" cy="864095"/>
           </a:xfrm>
           <a:prstGeom prst="ellipse">
@@ -3337,47 +3337,9 @@
             <a:pPr algn="ctr"/>
             <a:r>
               <a:rPr lang="pl-PL" sz="1400" dirty="0" smtClean="0"/>
-              <a:t>Powiązanie słowa z innymi słowami z bazy danych</a:t>
+              <a:t>Powiąż słowo z innymi słowem z bazy danych</a:t>
             </a:r>
             <a:endParaRPr lang="pl-PL" sz="1400" dirty="0"/>
-          </a:p>
-        </p:txBody>
-      </p:sp>
-      <p:sp>
-        <p:nvSpPr>
-          <p:cNvPr id="11" name="Uśmiechnięta buźka 10"/>
-          <p:cNvSpPr/>
-          <p:nvPr/>
-        </p:nvSpPr>
-        <p:spPr>
-          <a:xfrm>
-            <a:off x="5914716" y="1463232"/>
-            <a:ext cx="1152128" cy="1080120"/>
-          </a:xfrm>
-          <a:prstGeom prst="smileyFace">
-            <a:avLst/>
-          </a:prstGeom>
-        </p:spPr>
-        <p:style>
-          <a:lnRef idx="1">
-            <a:schemeClr val="accent5"/>
-          </a:lnRef>
-          <a:fillRef idx="2">
-            <a:schemeClr val="accent5"/>
-          </a:fillRef>
-          <a:effectRef idx="1">
-            <a:schemeClr val="accent5"/>
-          </a:effectRef>
-          <a:fontRef idx="minor">
-            <a:schemeClr val="dk1"/>
-          </a:fontRef>
-        </p:style>
-        <p:txBody>
-          <a:bodyPr rtlCol="0" anchor="ctr"/>
-          <a:lstStyle/>
-          <a:p>
-            <a:pPr algn="ctr"/>
-            <a:endParaRPr lang="pl-PL"/>
           </a:p>
         </p:txBody>
       </p:sp>
@@ -3389,7 +3351,7 @@
         </p:nvSpPr>
         <p:spPr>
           <a:xfrm>
-            <a:off x="6634796" y="2899844"/>
+            <a:off x="4482616" y="4720513"/>
             <a:ext cx="2156691" cy="864095"/>
           </a:xfrm>
           <a:prstGeom prst="ellipse">
@@ -3417,133 +3379,24 @@
             <a:pPr algn="ctr"/>
             <a:r>
               <a:rPr lang="pl-PL" sz="1400" dirty="0" smtClean="0"/>
-              <a:t>Dodanie słowa do bazy danych</a:t>
+              <a:t>Dodaj słowo do bazy danych</a:t>
             </a:r>
             <a:endParaRPr lang="pl-PL" sz="1400" dirty="0"/>
           </a:p>
         </p:txBody>
       </p:sp>
-      <p:cxnSp>
-        <p:nvCxnSpPr>
-          <p:cNvPr id="15" name="Łącznik prosty ze strzałką 14"/>
-          <p:cNvCxnSpPr>
-            <a:stCxn id="5" idx="6"/>
-            <a:endCxn id="4" idx="2"/>
-          </p:cNvCxnSpPr>
-          <p:nvPr/>
-        </p:nvCxnSpPr>
-        <p:spPr>
-          <a:xfrm flipV="1">
-            <a:off x="1335596" y="2003293"/>
-            <a:ext cx="660715" cy="1620179"/>
-          </a:xfrm>
-          <a:prstGeom prst="straightConnector1">
-            <a:avLst/>
-          </a:prstGeom>
-          <a:ln>
-            <a:tailEnd type="arrow"/>
-          </a:ln>
-        </p:spPr>
-        <p:style>
-          <a:lnRef idx="1">
-            <a:schemeClr val="accent1"/>
-          </a:lnRef>
-          <a:fillRef idx="0">
-            <a:schemeClr val="accent1"/>
-          </a:fillRef>
-          <a:effectRef idx="0">
-            <a:schemeClr val="accent1"/>
-          </a:effectRef>
-          <a:fontRef idx="minor">
-            <a:schemeClr val="tx1"/>
-          </a:fontRef>
-        </p:style>
-      </p:cxnSp>
-      <p:cxnSp>
-        <p:nvCxnSpPr>
-          <p:cNvPr id="17" name="Łącznik prosty ze strzałką 16"/>
-          <p:cNvCxnSpPr>
-            <a:stCxn id="5" idx="6"/>
-            <a:endCxn id="6" idx="2"/>
-          </p:cNvCxnSpPr>
-          <p:nvPr/>
-        </p:nvCxnSpPr>
-        <p:spPr>
-          <a:xfrm flipV="1">
-            <a:off x="1335596" y="3083413"/>
-            <a:ext cx="659092" cy="540059"/>
-          </a:xfrm>
-          <a:prstGeom prst="straightConnector1">
-            <a:avLst/>
-          </a:prstGeom>
-          <a:ln>
-            <a:tailEnd type="arrow"/>
-          </a:ln>
-        </p:spPr>
-        <p:style>
-          <a:lnRef idx="1">
-            <a:schemeClr val="accent1"/>
-          </a:lnRef>
-          <a:fillRef idx="0">
-            <a:schemeClr val="accent1"/>
-          </a:fillRef>
-          <a:effectRef idx="0">
-            <a:schemeClr val="accent1"/>
-          </a:effectRef>
-          <a:fontRef idx="minor">
-            <a:schemeClr val="tx1"/>
-          </a:fontRef>
-        </p:style>
-      </p:cxnSp>
       <p:cxnSp>
         <p:nvCxnSpPr>
           <p:cNvPr id="19" name="Łącznik prosty ze strzałką 18"/>
           <p:cNvCxnSpPr>
-            <a:stCxn id="5" idx="6"/>
             <a:endCxn id="7" idx="2"/>
           </p:cNvCxnSpPr>
           <p:nvPr/>
         </p:nvCxnSpPr>
         <p:spPr>
           <a:xfrm>
-            <a:off x="1335596" y="3623472"/>
-            <a:ext cx="659091" cy="540061"/>
-          </a:xfrm>
-          <a:prstGeom prst="straightConnector1">
-            <a:avLst/>
-          </a:prstGeom>
-          <a:ln>
-            <a:tailEnd type="arrow"/>
-          </a:ln>
-        </p:spPr>
-        <p:style>
-          <a:lnRef idx="1">
-            <a:schemeClr val="accent1"/>
-          </a:lnRef>
-          <a:fillRef idx="0">
-            <a:schemeClr val="accent1"/>
-          </a:fillRef>
-          <a:effectRef idx="0">
-            <a:schemeClr val="accent1"/>
-          </a:effectRef>
-          <a:fontRef idx="minor">
-            <a:schemeClr val="tx1"/>
-          </a:fontRef>
-        </p:style>
-      </p:cxnSp>
-      <p:cxnSp>
-        <p:nvCxnSpPr>
-          <p:cNvPr id="25" name="Łącznik prosty ze strzałką 24"/>
-          <p:cNvCxnSpPr>
-            <a:stCxn id="11" idx="4"/>
-            <a:endCxn id="10" idx="0"/>
-          </p:cNvCxnSpPr>
-          <p:nvPr/>
-        </p:nvCxnSpPr>
-        <p:spPr>
-          <a:xfrm flipH="1">
-            <a:off x="5411419" y="2543352"/>
-            <a:ext cx="1079361" cy="338302"/>
+            <a:off x="971600" y="3623472"/>
+            <a:ext cx="1023087" cy="540061"/>
           </a:xfrm>
           <a:prstGeom prst="straightConnector1">
             <a:avLst/>
@@ -3571,15 +3424,14 @@
         <p:nvCxnSpPr>
           <p:cNvPr id="27" name="Łącznik prosty ze strzałką 26"/>
           <p:cNvCxnSpPr>
-            <a:stCxn id="11" idx="4"/>
-            <a:endCxn id="12" idx="0"/>
+            <a:endCxn id="12" idx="6"/>
           </p:cNvCxnSpPr>
           <p:nvPr/>
         </p:nvCxnSpPr>
         <p:spPr>
-          <a:xfrm>
-            <a:off x="6490780" y="2543352"/>
-            <a:ext cx="1222362" cy="356492"/>
+          <a:xfrm flipH="1">
+            <a:off x="6639307" y="3794972"/>
+            <a:ext cx="1249572" cy="1357589"/>
           </a:xfrm>
           <a:prstGeom prst="straightConnector1">
             <a:avLst/>
@@ -3611,7 +3463,7 @@
         </p:nvSpPr>
         <p:spPr>
           <a:xfrm>
-            <a:off x="126954" y="2696988"/>
+            <a:off x="-35862" y="4143228"/>
             <a:ext cx="1265155" cy="369332"/>
           </a:xfrm>
           <a:prstGeom prst="rect">
@@ -3641,7 +3493,7 @@
         </p:nvSpPr>
         <p:spPr>
           <a:xfrm>
-            <a:off x="5752661" y="1093900"/>
+            <a:off x="7423948" y="4173463"/>
             <a:ext cx="1476238" cy="369332"/>
           </a:xfrm>
           <a:prstGeom prst="rect">
@@ -3671,8 +3523,8 @@
         </p:nvSpPr>
         <p:spPr>
           <a:xfrm>
-            <a:off x="1393798" y="411951"/>
-            <a:ext cx="6152966" cy="369332"/>
+            <a:off x="2028878" y="934298"/>
+            <a:ext cx="4610429" cy="369332"/>
           </a:xfrm>
           <a:prstGeom prst="rect">
             <a:avLst/>
@@ -3686,33 +3538,290 @@
           <a:lstStyle/>
           <a:p>
             <a:r>
+              <a:rPr lang="pl-PL" dirty="0"/>
+              <a:t>S</a:t>
+            </a:r>
+            <a:r>
               <a:rPr lang="pl-PL" dirty="0" smtClean="0"/>
-              <a:t>Cyfrowy Poeta – software transformujący surowy tekst w wiersz</a:t>
+              <a:t>oftware transformujący surowy tekst w wiersz</a:t>
             </a:r>
             <a:endParaRPr lang="pl-PL" dirty="0"/>
           </a:p>
         </p:txBody>
       </p:sp>
+      <p:pic>
+        <p:nvPicPr>
+          <p:cNvPr id="1046" name="Picture 3"/>
+          <p:cNvPicPr>
+            <a:picLocks noChangeAspect="1" noChangeArrowheads="1"/>
+          </p:cNvPicPr>
+          <p:nvPr/>
+        </p:nvPicPr>
+        <p:blipFill>
+          <a:blip r:embed="rId2" cstate="print">
+            <a:extLst>
+              <a:ext uri="{28A0092B-C50C-407E-A947-70E740481C1C}">
+                <a14:useLocalDpi xmlns:a14="http://schemas.microsoft.com/office/drawing/2010/main" val="0"/>
+              </a:ext>
+            </a:extLst>
+          </a:blip>
+          <a:srcRect/>
+          <a:stretch>
+            <a:fillRect/>
+          </a:stretch>
+        </p:blipFill>
+        <p:spPr bwMode="auto">
+          <a:xfrm>
+            <a:off x="7888879" y="3147678"/>
+            <a:ext cx="546376" cy="951588"/>
+          </a:xfrm>
+          <a:prstGeom prst="rect">
+            <a:avLst/>
+          </a:prstGeom>
+          <a:noFill/>
+          <a:ln>
+            <a:noFill/>
+          </a:ln>
+          <a:effectLst/>
+          <a:extLst>
+            <a:ext uri="{909E8E84-426E-40DD-AFC4-6F175D3DCCD1}">
+              <a14:hiddenFill xmlns:a14="http://schemas.microsoft.com/office/drawing/2010/main">
+                <a:solidFill>
+                  <a:schemeClr val="accent1"/>
+                </a:solidFill>
+              </a14:hiddenFill>
+            </a:ext>
+            <a:ext uri="{91240B29-F687-4F45-9708-019B960494DF}">
+              <a14:hiddenLine xmlns:a14="http://schemas.microsoft.com/office/drawing/2010/main" w="9525">
+                <a:solidFill>
+                  <a:schemeClr val="tx1"/>
+                </a:solidFill>
+                <a:miter lim="800000"/>
+                <a:headEnd/>
+                <a:tailEnd/>
+              </a14:hiddenLine>
+            </a:ext>
+            <a:ext uri="{AF507438-7753-43E0-B8FC-AC1667EBCBE1}">
+              <a14:hiddenEffects xmlns:a14="http://schemas.microsoft.com/office/drawing/2010/main">
+                <a:effectLst>
+                  <a:outerShdw dist="35921" dir="2700000" algn="ctr" rotWithShape="0">
+                    <a:schemeClr val="bg2"/>
+                  </a:outerShdw>
+                </a:effectLst>
+              </a14:hiddenEffects>
+            </a:ext>
+          </a:extLst>
+        </p:spPr>
+      </p:pic>
+      <p:pic>
+        <p:nvPicPr>
+          <p:cNvPr id="58" name="Picture 3"/>
+          <p:cNvPicPr>
+            <a:picLocks noChangeAspect="1" noChangeArrowheads="1"/>
+          </p:cNvPicPr>
+          <p:nvPr/>
+        </p:nvPicPr>
+        <p:blipFill>
+          <a:blip r:embed="rId2" cstate="print">
+            <a:extLst>
+              <a:ext uri="{28A0092B-C50C-407E-A947-70E740481C1C}">
+                <a14:useLocalDpi xmlns:a14="http://schemas.microsoft.com/office/drawing/2010/main" val="0"/>
+              </a:ext>
+            </a:extLst>
+          </a:blip>
+          <a:srcRect/>
+          <a:stretch>
+            <a:fillRect/>
+          </a:stretch>
+        </p:blipFill>
+        <p:spPr bwMode="auto">
+          <a:xfrm>
+            <a:off x="323528" y="3090156"/>
+            <a:ext cx="546376" cy="951588"/>
+          </a:xfrm>
+          <a:prstGeom prst="rect">
+            <a:avLst/>
+          </a:prstGeom>
+          <a:noFill/>
+          <a:ln>
+            <a:noFill/>
+          </a:ln>
+          <a:effectLst/>
+          <a:extLst>
+            <a:ext uri="{909E8E84-426E-40DD-AFC4-6F175D3DCCD1}">
+              <a14:hiddenFill xmlns:a14="http://schemas.microsoft.com/office/drawing/2010/main">
+                <a:solidFill>
+                  <a:schemeClr val="accent1"/>
+                </a:solidFill>
+              </a14:hiddenFill>
+            </a:ext>
+            <a:ext uri="{91240B29-F687-4F45-9708-019B960494DF}">
+              <a14:hiddenLine xmlns:a14="http://schemas.microsoft.com/office/drawing/2010/main" w="9525">
+                <a:solidFill>
+                  <a:schemeClr val="tx1"/>
+                </a:solidFill>
+                <a:miter lim="800000"/>
+                <a:headEnd/>
+                <a:tailEnd/>
+              </a14:hiddenLine>
+            </a:ext>
+            <a:ext uri="{AF507438-7753-43E0-B8FC-AC1667EBCBE1}">
+              <a14:hiddenEffects xmlns:a14="http://schemas.microsoft.com/office/drawing/2010/main">
+                <a:effectLst>
+                  <a:outerShdw dist="35921" dir="2700000" algn="ctr" rotWithShape="0">
+                    <a:schemeClr val="bg2"/>
+                  </a:outerShdw>
+                </a:effectLst>
+              </a14:hiddenEffects>
+            </a:ext>
+          </a:extLst>
+        </p:spPr>
+      </p:pic>
       <p:cxnSp>
         <p:nvCxnSpPr>
-          <p:cNvPr id="1028" name="Łącznik prosty ze strzałką 1027"/>
+          <p:cNvPr id="32" name="Łącznik prostoliniowy 31"/>
           <p:cNvCxnSpPr>
-            <a:stCxn id="8" idx="2"/>
-            <a:endCxn id="5" idx="5"/>
+            <a:endCxn id="8" idx="2"/>
           </p:cNvCxnSpPr>
           <p:nvPr/>
         </p:nvCxnSpPr>
         <p:spPr>
-          <a:xfrm flipH="1" flipV="1">
-            <a:off x="1166871" y="4005352"/>
-            <a:ext cx="829440" cy="1174676"/>
+          <a:xfrm>
+            <a:off x="971600" y="3794972"/>
+            <a:ext cx="1024711" cy="1385056"/>
           </a:xfrm>
-          <a:prstGeom prst="straightConnector1">
+          <a:prstGeom prst="line">
             <a:avLst/>
           </a:prstGeom>
-          <a:ln>
-            <a:tailEnd type="arrow"/>
-          </a:ln>
+        </p:spPr>
+        <p:style>
+          <a:lnRef idx="1">
+            <a:schemeClr val="accent1"/>
+          </a:lnRef>
+          <a:fillRef idx="0">
+            <a:schemeClr val="accent1"/>
+          </a:fillRef>
+          <a:effectRef idx="0">
+            <a:schemeClr val="accent1"/>
+          </a:effectRef>
+          <a:fontRef idx="minor">
+            <a:schemeClr val="tx1"/>
+          </a:fontRef>
+        </p:style>
+      </p:cxnSp>
+      <p:cxnSp>
+        <p:nvCxnSpPr>
+          <p:cNvPr id="34" name="Łącznik prostoliniowy 33"/>
+          <p:cNvCxnSpPr>
+            <a:stCxn id="6" idx="6"/>
+          </p:cNvCxnSpPr>
+          <p:nvPr/>
+        </p:nvCxnSpPr>
+        <p:spPr>
+          <a:xfrm>
+            <a:off x="4151379" y="3083413"/>
+            <a:ext cx="3737500" cy="432047"/>
+          </a:xfrm>
+          <a:prstGeom prst="line">
+            <a:avLst/>
+          </a:prstGeom>
+        </p:spPr>
+        <p:style>
+          <a:lnRef idx="1">
+            <a:schemeClr val="accent1"/>
+          </a:lnRef>
+          <a:fillRef idx="0">
+            <a:schemeClr val="accent1"/>
+          </a:fillRef>
+          <a:effectRef idx="0">
+            <a:schemeClr val="accent1"/>
+          </a:effectRef>
+          <a:fontRef idx="minor">
+            <a:schemeClr val="tx1"/>
+          </a:fontRef>
+        </p:style>
+      </p:cxnSp>
+      <p:cxnSp>
+        <p:nvCxnSpPr>
+          <p:cNvPr id="47" name="Łącznik prostoliniowy 46"/>
+          <p:cNvCxnSpPr>
+            <a:stCxn id="1046" idx="1"/>
+            <a:endCxn id="10" idx="6"/>
+          </p:cNvCxnSpPr>
+          <p:nvPr/>
+        </p:nvCxnSpPr>
+        <p:spPr>
+          <a:xfrm flipH="1">
+            <a:off x="6634796" y="3623472"/>
+            <a:ext cx="1254083" cy="483739"/>
+          </a:xfrm>
+          <a:prstGeom prst="line">
+            <a:avLst/>
+          </a:prstGeom>
+        </p:spPr>
+        <p:style>
+          <a:lnRef idx="1">
+            <a:schemeClr val="accent1"/>
+          </a:lnRef>
+          <a:fillRef idx="0">
+            <a:schemeClr val="accent1"/>
+          </a:fillRef>
+          <a:effectRef idx="0">
+            <a:schemeClr val="accent1"/>
+          </a:effectRef>
+          <a:fontRef idx="minor">
+            <a:schemeClr val="tx1"/>
+          </a:fontRef>
+        </p:style>
+      </p:cxnSp>
+      <p:cxnSp>
+        <p:nvCxnSpPr>
+          <p:cNvPr id="49" name="Łącznik prostoliniowy 48"/>
+          <p:cNvCxnSpPr>
+            <a:stCxn id="6" idx="2"/>
+          </p:cNvCxnSpPr>
+          <p:nvPr/>
+        </p:nvCxnSpPr>
+        <p:spPr>
+          <a:xfrm flipH="1">
+            <a:off x="971600" y="3083413"/>
+            <a:ext cx="1023088" cy="432047"/>
+          </a:xfrm>
+          <a:prstGeom prst="line">
+            <a:avLst/>
+          </a:prstGeom>
+        </p:spPr>
+        <p:style>
+          <a:lnRef idx="1">
+            <a:schemeClr val="accent1"/>
+          </a:lnRef>
+          <a:fillRef idx="0">
+            <a:schemeClr val="accent1"/>
+          </a:fillRef>
+          <a:effectRef idx="0">
+            <a:schemeClr val="accent1"/>
+          </a:effectRef>
+          <a:fontRef idx="minor">
+            <a:schemeClr val="tx1"/>
+          </a:fontRef>
+        </p:style>
+      </p:cxnSp>
+      <p:cxnSp>
+        <p:nvCxnSpPr>
+          <p:cNvPr id="51" name="Łącznik prostoliniowy 50"/>
+          <p:cNvCxnSpPr>
+            <a:stCxn id="4" idx="2"/>
+          </p:cNvCxnSpPr>
+          <p:nvPr/>
+        </p:nvCxnSpPr>
+        <p:spPr>
+          <a:xfrm flipH="1">
+            <a:off x="971600" y="2003293"/>
+            <a:ext cx="1024711" cy="1296143"/>
+          </a:xfrm>
+          <a:prstGeom prst="line">
+            <a:avLst/>
+          </a:prstGeom>
         </p:spPr>
         <p:style>
           <a:lnRef idx="1">
@@ -3739,6 +3848,13 @@
   <p:clrMapOvr>
     <a:masterClrMapping/>
   </p:clrMapOvr>
+  <p:timing>
+    <p:tnLst>
+      <p:par>
+        <p:cTn id="1" dur="indefinite" restart="never" nodeType="tmRoot"/>
+      </p:par>
+    </p:tnLst>
+  </p:timing>
 </p:sld>
 </file>
 
